--- a/Chapter3/Figures/PrismCoupling.pptx
+++ b/Chapter3/Figures/PrismCoupling.pptx
@@ -288,7 +288,7 @@
           <a:p>
             <a:fld id="{980CE157-6E41-4AD9-ACCA-42CEF69B2EBC}" type="datetimeFigureOut">
               <a:rPr lang="en-GB" smtClean="0"/>
-              <a:t>13/07/2014</a:t>
+              <a:t>01/09/2014</a:t>
             </a:fld>
             <a:endParaRPr lang="en-GB"/>
           </a:p>
@@ -458,7 +458,7 @@
           <a:p>
             <a:fld id="{980CE157-6E41-4AD9-ACCA-42CEF69B2EBC}" type="datetimeFigureOut">
               <a:rPr lang="en-GB" smtClean="0"/>
-              <a:t>13/07/2014</a:t>
+              <a:t>01/09/2014</a:t>
             </a:fld>
             <a:endParaRPr lang="en-GB"/>
           </a:p>
@@ -638,7 +638,7 @@
           <a:p>
             <a:fld id="{980CE157-6E41-4AD9-ACCA-42CEF69B2EBC}" type="datetimeFigureOut">
               <a:rPr lang="en-GB" smtClean="0"/>
-              <a:t>13/07/2014</a:t>
+              <a:t>01/09/2014</a:t>
             </a:fld>
             <a:endParaRPr lang="en-GB"/>
           </a:p>
@@ -808,7 +808,7 @@
           <a:p>
             <a:fld id="{980CE157-6E41-4AD9-ACCA-42CEF69B2EBC}" type="datetimeFigureOut">
               <a:rPr lang="en-GB" smtClean="0"/>
-              <a:t>13/07/2014</a:t>
+              <a:t>01/09/2014</a:t>
             </a:fld>
             <a:endParaRPr lang="en-GB"/>
           </a:p>
@@ -1054,7 +1054,7 @@
           <a:p>
             <a:fld id="{980CE157-6E41-4AD9-ACCA-42CEF69B2EBC}" type="datetimeFigureOut">
               <a:rPr lang="en-GB" smtClean="0"/>
-              <a:t>13/07/2014</a:t>
+              <a:t>01/09/2014</a:t>
             </a:fld>
             <a:endParaRPr lang="en-GB"/>
           </a:p>
@@ -1342,7 +1342,7 @@
           <a:p>
             <a:fld id="{980CE157-6E41-4AD9-ACCA-42CEF69B2EBC}" type="datetimeFigureOut">
               <a:rPr lang="en-GB" smtClean="0"/>
-              <a:t>13/07/2014</a:t>
+              <a:t>01/09/2014</a:t>
             </a:fld>
             <a:endParaRPr lang="en-GB"/>
           </a:p>
@@ -1764,7 +1764,7 @@
           <a:p>
             <a:fld id="{980CE157-6E41-4AD9-ACCA-42CEF69B2EBC}" type="datetimeFigureOut">
               <a:rPr lang="en-GB" smtClean="0"/>
-              <a:t>13/07/2014</a:t>
+              <a:t>01/09/2014</a:t>
             </a:fld>
             <a:endParaRPr lang="en-GB"/>
           </a:p>
@@ -1882,7 +1882,7 @@
           <a:p>
             <a:fld id="{980CE157-6E41-4AD9-ACCA-42CEF69B2EBC}" type="datetimeFigureOut">
               <a:rPr lang="en-GB" smtClean="0"/>
-              <a:t>13/07/2014</a:t>
+              <a:t>01/09/2014</a:t>
             </a:fld>
             <a:endParaRPr lang="en-GB"/>
           </a:p>
@@ -1977,7 +1977,7 @@
           <a:p>
             <a:fld id="{980CE157-6E41-4AD9-ACCA-42CEF69B2EBC}" type="datetimeFigureOut">
               <a:rPr lang="en-GB" smtClean="0"/>
-              <a:t>13/07/2014</a:t>
+              <a:t>01/09/2014</a:t>
             </a:fld>
             <a:endParaRPr lang="en-GB"/>
           </a:p>
@@ -2254,7 +2254,7 @@
           <a:p>
             <a:fld id="{980CE157-6E41-4AD9-ACCA-42CEF69B2EBC}" type="datetimeFigureOut">
               <a:rPr lang="en-GB" smtClean="0"/>
-              <a:t>13/07/2014</a:t>
+              <a:t>01/09/2014</a:t>
             </a:fld>
             <a:endParaRPr lang="en-GB"/>
           </a:p>
@@ -2507,7 +2507,7 @@
           <a:p>
             <a:fld id="{980CE157-6E41-4AD9-ACCA-42CEF69B2EBC}" type="datetimeFigureOut">
               <a:rPr lang="en-GB" smtClean="0"/>
-              <a:t>13/07/2014</a:t>
+              <a:t>01/09/2014</a:t>
             </a:fld>
             <a:endParaRPr lang="en-GB"/>
           </a:p>
@@ -2720,7 +2720,7 @@
           <a:p>
             <a:fld id="{980CE157-6E41-4AD9-ACCA-42CEF69B2EBC}" type="datetimeFigureOut">
               <a:rPr lang="en-GB" smtClean="0"/>
-              <a:t>13/07/2014</a:t>
+              <a:t>01/09/2014</a:t>
             </a:fld>
             <a:endParaRPr lang="en-GB"/>
           </a:p>
@@ -3704,7 +3704,7 @@
         </p:nvGrpSpPr>
         <p:grpSpPr>
           <a:xfrm>
-            <a:off x="233256" y="54149"/>
+            <a:off x="288231" y="54149"/>
             <a:ext cx="2762555" cy="1758515"/>
             <a:chOff x="323528" y="755412"/>
             <a:chExt cx="2762555" cy="1758515"/>
